--- a/genai/Team_Info.pptx
+++ b/genai/Team_Info.pptx
@@ -728,7 +728,7 @@
                 <a:tabLst/>
                 <a:defRPr/>
               </a:pPr>
-              <a:t>9/12/2024 11:42 AM</a:t>
+              <a:t>9/12/2024 11:49 AM</a:t>
             </a:fld>
             <a:endParaRPr kumimoji="0" lang="en-US" sz="1200" b="0" i="0" u="none" strike="noStrike" kern="1200" cap="none" spc="0" normalizeH="0" baseline="0" noProof="0">
               <a:ln>
@@ -5695,7 +5695,7 @@
         </p:blipFill>
         <p:spPr>
           <a:xfrm>
-            <a:off x="6636396" y="5247586"/>
+            <a:off x="6533755" y="5247586"/>
             <a:ext cx="338825" cy="249292"/>
           </a:xfrm>
           <a:prstGeom prst="rect">
@@ -5717,7 +5717,7 @@
         </p:nvSpPr>
         <p:spPr>
           <a:xfrm>
-            <a:off x="6955161" y="5265219"/>
+            <a:off x="6789137" y="5272659"/>
             <a:ext cx="2043217" cy="261610"/>
           </a:xfrm>
           <a:prstGeom prst="rect">
@@ -5783,7 +5783,7 @@
         </p:blipFill>
         <p:spPr>
           <a:xfrm>
-            <a:off x="6658699" y="5626630"/>
+            <a:off x="6556058" y="5626630"/>
             <a:ext cx="244116" cy="244116"/>
           </a:xfrm>
           <a:prstGeom prst="rect">
@@ -5805,7 +5805,7 @@
         </p:nvSpPr>
         <p:spPr>
           <a:xfrm>
-            <a:off x="6828110" y="5617112"/>
+            <a:off x="6725469" y="5617112"/>
             <a:ext cx="2043217" cy="261610"/>
           </a:xfrm>
           <a:prstGeom prst="rect">
@@ -7752,11 +7752,23 @@
 </file>
 
 <file path=customXml/item1.xml><?xml version="1.0" encoding="utf-8"?>
-<TemplafySlideFormConfiguration><![CDATA[{"formFields":[],"formDataEntries":[]}]]></TemplafySlideFormConfiguration>
+<p:properties xmlns:p="http://schemas.microsoft.com/office/2006/metadata/properties" xmlns:xsi="http://www.w3.org/2001/XMLSchema-instance" xmlns:pc="http://schemas.microsoft.com/office/infopath/2007/PartnerControls">
+  <documentManagement>
+    <TaxCatchAll xmlns="cbebd4ed-74b4-4b71-bbc5-4ac8ffb87364" xsi:nil="true"/>
+    <lcf76f155ced4ddcb4097134ff3c332f xmlns="74433616-cb1b-48ac-950f-4c597eae23fe">
+      <Terms xmlns="http://schemas.microsoft.com/office/infopath/2007/PartnerControls"/>
+    </lcf76f155ced4ddcb4097134ff3c332f>
+  </documentManagement>
+</p:properties>
 </file>
 
 <file path=customXml/item2.xml><?xml version="1.0" encoding="utf-8"?>
-<TemplafySlideTemplateConfiguration><![CDATA[{"slideVersion":6,"isValidatorEnabled":false,"isLocked":false,"elementsMetadata":[],"slideId":"638331234103040955","enableDocumentContentUpdater":false,"version":"2.0"}]]></TemplafySlideTemplateConfiguration>
+<?mso-contentType ?>
+<FormTemplates xmlns="http://schemas.microsoft.com/sharepoint/v3/contenttype/forms">
+  <Display>DocumentLibraryForm</Display>
+  <Edit>DocumentLibraryForm</Edit>
+  <New>DocumentLibraryForm</New>
+</FormTemplates>
 </file>
 
 <file path=customXml/item3.xml><?xml version="1.0" encoding="utf-8"?>
@@ -8015,34 +8027,35 @@
 </file>
 
 <file path=customXml/item4.xml><?xml version="1.0" encoding="utf-8"?>
-<?mso-contentType ?>
-<FormTemplates xmlns="http://schemas.microsoft.com/sharepoint/v3/contenttype/forms">
-  <Display>DocumentLibraryForm</Display>
-  <Edit>DocumentLibraryForm</Edit>
-  <New>DocumentLibraryForm</New>
-</FormTemplates>
+<TemplafySlideTemplateConfiguration><![CDATA[{"slideVersion":6,"isValidatorEnabled":false,"isLocked":false,"elementsMetadata":[],"slideId":"638331234103040955","enableDocumentContentUpdater":false,"version":"2.0"}]]></TemplafySlideTemplateConfiguration>
 </file>
 
 <file path=customXml/item5.xml><?xml version="1.0" encoding="utf-8"?>
-<p:properties xmlns:p="http://schemas.microsoft.com/office/2006/metadata/properties" xmlns:xsi="http://www.w3.org/2001/XMLSchema-instance" xmlns:pc="http://schemas.microsoft.com/office/infopath/2007/PartnerControls">
-  <documentManagement>
-    <TaxCatchAll xmlns="cbebd4ed-74b4-4b71-bbc5-4ac8ffb87364" xsi:nil="true"/>
-    <lcf76f155ced4ddcb4097134ff3c332f xmlns="74433616-cb1b-48ac-950f-4c597eae23fe">
-      <Terms xmlns="http://schemas.microsoft.com/office/infopath/2007/PartnerControls"/>
-    </lcf76f155ced4ddcb4097134ff3c332f>
-  </documentManagement>
-</p:properties>
+<TemplafySlideFormConfiguration><![CDATA[{"formFields":[],"formDataEntries":[]}]]></TemplafySlideFormConfiguration>
 </file>
 
 <file path=customXml/itemProps1.xml><?xml version="1.0" encoding="utf-8"?>
-<ds:datastoreItem xmlns:ds="http://schemas.openxmlformats.org/officeDocument/2006/customXml" ds:itemID="{E71FFC8A-8BF9-4EB3-ABB9-7A597BF655C2}">
-  <ds:schemaRefs/>
+<ds:datastoreItem xmlns:ds="http://schemas.openxmlformats.org/officeDocument/2006/customXml" ds:itemID="{95DD92E4-97AA-40DC-B5E1-E0891B38D814}">
+  <ds:schemaRefs>
+    <ds:schemaRef ds:uri="http://schemas.microsoft.com/office/2006/documentManagement/types"/>
+    <ds:schemaRef ds:uri="http://www.w3.org/XML/1998/namespace"/>
+    <ds:schemaRef ds:uri="http://purl.org/dc/dcmitype/"/>
+    <ds:schemaRef ds:uri="74433616-cb1b-48ac-950f-4c597eae23fe"/>
+    <ds:schemaRef ds:uri="http://schemas.microsoft.com/office/infopath/2007/PartnerControls"/>
+    <ds:schemaRef ds:uri="http://schemas.openxmlformats.org/package/2006/metadata/core-properties"/>
+    <ds:schemaRef ds:uri="http://purl.org/dc/elements/1.1/"/>
+    <ds:schemaRef ds:uri="cbebd4ed-74b4-4b71-bbc5-4ac8ffb87364"/>
+    <ds:schemaRef ds:uri="http://schemas.microsoft.com/office/2006/metadata/properties"/>
+    <ds:schemaRef ds:uri="http://purl.org/dc/terms/"/>
+  </ds:schemaRefs>
 </ds:datastoreItem>
 </file>
 
 <file path=customXml/itemProps2.xml><?xml version="1.0" encoding="utf-8"?>
-<ds:datastoreItem xmlns:ds="http://schemas.openxmlformats.org/officeDocument/2006/customXml" ds:itemID="{35F8735A-1160-4A58-9CB2-46DE825DB3A4}">
-  <ds:schemaRefs/>
+<ds:datastoreItem xmlns:ds="http://schemas.openxmlformats.org/officeDocument/2006/customXml" ds:itemID="{A3A76748-BB95-4F67-A4B6-D47AD74400C6}">
+  <ds:schemaRefs>
+    <ds:schemaRef ds:uri="http://schemas.microsoft.com/sharepoint/v3/contenttype/forms"/>
+  </ds:schemaRefs>
 </ds:datastoreItem>
 </file>
 
@@ -8066,27 +8079,14 @@
 </file>
 
 <file path=customXml/itemProps4.xml><?xml version="1.0" encoding="utf-8"?>
-<ds:datastoreItem xmlns:ds="http://schemas.openxmlformats.org/officeDocument/2006/customXml" ds:itemID="{A3A76748-BB95-4F67-A4B6-D47AD74400C6}">
-  <ds:schemaRefs>
-    <ds:schemaRef ds:uri="http://schemas.microsoft.com/sharepoint/v3/contenttype/forms"/>
-  </ds:schemaRefs>
+<ds:datastoreItem xmlns:ds="http://schemas.openxmlformats.org/officeDocument/2006/customXml" ds:itemID="{35F8735A-1160-4A58-9CB2-46DE825DB3A4}">
+  <ds:schemaRefs/>
 </ds:datastoreItem>
 </file>
 
 <file path=customXml/itemProps5.xml><?xml version="1.0" encoding="utf-8"?>
-<ds:datastoreItem xmlns:ds="http://schemas.openxmlformats.org/officeDocument/2006/customXml" ds:itemID="{95DD92E4-97AA-40DC-B5E1-E0891B38D814}">
-  <ds:schemaRefs>
-    <ds:schemaRef ds:uri="http://schemas.microsoft.com/office/2006/documentManagement/types"/>
-    <ds:schemaRef ds:uri="http://www.w3.org/XML/1998/namespace"/>
-    <ds:schemaRef ds:uri="http://purl.org/dc/dcmitype/"/>
-    <ds:schemaRef ds:uri="74433616-cb1b-48ac-950f-4c597eae23fe"/>
-    <ds:schemaRef ds:uri="http://schemas.microsoft.com/office/infopath/2007/PartnerControls"/>
-    <ds:schemaRef ds:uri="http://schemas.openxmlformats.org/package/2006/metadata/core-properties"/>
-    <ds:schemaRef ds:uri="http://purl.org/dc/elements/1.1/"/>
-    <ds:schemaRef ds:uri="cbebd4ed-74b4-4b71-bbc5-4ac8ffb87364"/>
-    <ds:schemaRef ds:uri="http://schemas.microsoft.com/office/2006/metadata/properties"/>
-    <ds:schemaRef ds:uri="http://purl.org/dc/terms/"/>
-  </ds:schemaRefs>
+<ds:datastoreItem xmlns:ds="http://schemas.openxmlformats.org/officeDocument/2006/customXml" ds:itemID="{E71FFC8A-8BF9-4EB3-ABB9-7A597BF655C2}">
+  <ds:schemaRefs/>
 </ds:datastoreItem>
 </file>
 
